--- a/presentEd.pptx
+++ b/presentEd.pptx
@@ -109,7 +109,157 @@
       </a:defRPr>
     </a:lvl9pPr>
   </p:defaultTextStyle>
+  <p:extLst>
+    <p:ext uri="{EFAFB233-063F-42B5-8137-9DF3F51BA10A}">
+      <p15:sldGuideLst xmlns:p15="http://schemas.microsoft.com/office/powerpoint/2012/main"/>
+    </p:ext>
+  </p:extLst>
 </p:presentation>
+</file>
+
+<file path=ppt/revisionInfo.xml><?xml version="1.0" encoding="utf-8"?>
+<p1510:revInfo xmlns:a="http://schemas.openxmlformats.org/drawingml/2006/main" xmlns:r="http://schemas.openxmlformats.org/officeDocument/2006/relationships" xmlns:p1510="http://schemas.microsoft.com/office/powerpoint/2015/10/main">
+  <p1510:revLst>
+    <p1510:client id="{56CAAD4D-5E68-4F5D-828D-9029EEEBC5B7}" v="5" dt="2021-05-08T14:54:05.172"/>
+  </p1510:revLst>
+</p1510:revInfo>
+</file>
+
+<file path=ppt/changesInfos/changesInfo1.xml><?xml version="1.0" encoding="utf-8"?>
+<pc:chgInfo xmlns:a="http://schemas.openxmlformats.org/drawingml/2006/main" xmlns:r="http://schemas.openxmlformats.org/officeDocument/2006/relationships" xmlns:ac="http://schemas.microsoft.com/office/drawing/2013/main/command" xmlns:pc="http://schemas.microsoft.com/office/powerpoint/2013/main/command">
+  <pc:docChgLst>
+    <pc:chgData name="Edward Michaud" userId="96c5368be571345e" providerId="LiveId" clId="{56CAAD4D-5E68-4F5D-828D-9029EEEBC5B7}"/>
+    <pc:docChg chg="modSld">
+      <pc:chgData name="Edward Michaud" userId="96c5368be571345e" providerId="LiveId" clId="{56CAAD4D-5E68-4F5D-828D-9029EEEBC5B7}" dt="2021-05-08T14:54:15.006" v="32" actId="14100"/>
+      <pc:docMkLst>
+        <pc:docMk/>
+      </pc:docMkLst>
+      <pc:sldChg chg="addSp modSp mod">
+        <pc:chgData name="Edward Michaud" userId="96c5368be571345e" providerId="LiveId" clId="{56CAAD4D-5E68-4F5D-828D-9029EEEBC5B7}" dt="2021-05-08T14:52:39.689" v="6" actId="1076"/>
+        <pc:sldMkLst>
+          <pc:docMk/>
+          <pc:sldMk cId="2437959043" sldId="257"/>
+        </pc:sldMkLst>
+        <pc:spChg chg="mod">
+          <ac:chgData name="Edward Michaud" userId="96c5368be571345e" providerId="LiveId" clId="{56CAAD4D-5E68-4F5D-828D-9029EEEBC5B7}" dt="2021-05-08T14:52:14.152" v="0" actId="14100"/>
+          <ac:spMkLst>
+            <pc:docMk/>
+            <pc:sldMk cId="2437959043" sldId="257"/>
+            <ac:spMk id="2" creationId="{0D50B543-0B79-42B0-8F2A-1D20E8439D9E}"/>
+          </ac:spMkLst>
+        </pc:spChg>
+        <pc:spChg chg="mod">
+          <ac:chgData name="Edward Michaud" userId="96c5368be571345e" providerId="LiveId" clId="{56CAAD4D-5E68-4F5D-828D-9029EEEBC5B7}" dt="2021-05-08T14:52:37.504" v="5" actId="14100"/>
+          <ac:spMkLst>
+            <pc:docMk/>
+            <pc:sldMk cId="2437959043" sldId="257"/>
+            <ac:spMk id="3" creationId="{28D61D10-FB8F-4D00-AE9E-99D85D724540}"/>
+          </ac:spMkLst>
+        </pc:spChg>
+        <pc:picChg chg="add mod">
+          <ac:chgData name="Edward Michaud" userId="96c5368be571345e" providerId="LiveId" clId="{56CAAD4D-5E68-4F5D-828D-9029EEEBC5B7}" dt="2021-05-08T14:52:39.689" v="6" actId="1076"/>
+          <ac:picMkLst>
+            <pc:docMk/>
+            <pc:sldMk cId="2437959043" sldId="257"/>
+            <ac:picMk id="5" creationId="{97B409F9-CE39-423F-ACC3-D04AB5773420}"/>
+          </ac:picMkLst>
+        </pc:picChg>
+      </pc:sldChg>
+      <pc:sldChg chg="addSp modSp mod">
+        <pc:chgData name="Edward Michaud" userId="96c5368be571345e" providerId="LiveId" clId="{56CAAD4D-5E68-4F5D-828D-9029EEEBC5B7}" dt="2021-05-08T14:53:05.757" v="11" actId="1076"/>
+        <pc:sldMkLst>
+          <pc:docMk/>
+          <pc:sldMk cId="254076682" sldId="258"/>
+        </pc:sldMkLst>
+        <pc:spChg chg="mod">
+          <ac:chgData name="Edward Michaud" userId="96c5368be571345e" providerId="LiveId" clId="{56CAAD4D-5E68-4F5D-828D-9029EEEBC5B7}" dt="2021-05-08T14:52:49.320" v="7" actId="1076"/>
+          <ac:spMkLst>
+            <pc:docMk/>
+            <pc:sldMk cId="254076682" sldId="258"/>
+            <ac:spMk id="3" creationId="{8F78E2A9-A816-4960-B451-29AF5ECCA5C1}"/>
+          </ac:spMkLst>
+        </pc:spChg>
+        <pc:picChg chg="add mod">
+          <ac:chgData name="Edward Michaud" userId="96c5368be571345e" providerId="LiveId" clId="{56CAAD4D-5E68-4F5D-828D-9029EEEBC5B7}" dt="2021-05-08T14:53:05.757" v="11" actId="1076"/>
+          <ac:picMkLst>
+            <pc:docMk/>
+            <pc:sldMk cId="254076682" sldId="258"/>
+            <ac:picMk id="5" creationId="{4997468E-9A2B-48D9-8144-339B4BD850B2}"/>
+          </ac:picMkLst>
+        </pc:picChg>
+      </pc:sldChg>
+      <pc:sldChg chg="addSp modSp mod">
+        <pc:chgData name="Edward Michaud" userId="96c5368be571345e" providerId="LiveId" clId="{56CAAD4D-5E68-4F5D-828D-9029EEEBC5B7}" dt="2021-05-08T14:53:30.497" v="19" actId="1076"/>
+        <pc:sldMkLst>
+          <pc:docMk/>
+          <pc:sldMk cId="3777814665" sldId="259"/>
+        </pc:sldMkLst>
+        <pc:spChg chg="mod">
+          <ac:chgData name="Edward Michaud" userId="96c5368be571345e" providerId="LiveId" clId="{56CAAD4D-5E68-4F5D-828D-9029EEEBC5B7}" dt="2021-05-08T14:53:14.192" v="12" actId="1076"/>
+          <ac:spMkLst>
+            <pc:docMk/>
+            <pc:sldMk cId="3777814665" sldId="259"/>
+            <ac:spMk id="2" creationId="{7E6F9344-9DEB-4F22-B0DE-ED9228835D3F}"/>
+          </ac:spMkLst>
+        </pc:spChg>
+        <pc:spChg chg="mod">
+          <ac:chgData name="Edward Michaud" userId="96c5368be571345e" providerId="LiveId" clId="{56CAAD4D-5E68-4F5D-828D-9029EEEBC5B7}" dt="2021-05-08T14:53:17.472" v="13" actId="1076"/>
+          <ac:spMkLst>
+            <pc:docMk/>
+            <pc:sldMk cId="3777814665" sldId="259"/>
+            <ac:spMk id="3" creationId="{97F5E2F0-58F6-4B06-9AF1-F1E665337AEA}"/>
+          </ac:spMkLst>
+        </pc:spChg>
+        <pc:picChg chg="add mod">
+          <ac:chgData name="Edward Michaud" userId="96c5368be571345e" providerId="LiveId" clId="{56CAAD4D-5E68-4F5D-828D-9029EEEBC5B7}" dt="2021-05-08T14:53:30.497" v="19" actId="1076"/>
+          <ac:picMkLst>
+            <pc:docMk/>
+            <pc:sldMk cId="3777814665" sldId="259"/>
+            <ac:picMk id="5" creationId="{04B9091D-91D0-46CA-80BC-788C6C21DFE8}"/>
+          </ac:picMkLst>
+        </pc:picChg>
+      </pc:sldChg>
+      <pc:sldChg chg="addSp modSp mod">
+        <pc:chgData name="Edward Michaud" userId="96c5368be571345e" providerId="LiveId" clId="{56CAAD4D-5E68-4F5D-828D-9029EEEBC5B7}" dt="2021-05-08T14:53:53.178" v="25" actId="1076"/>
+        <pc:sldMkLst>
+          <pc:docMk/>
+          <pc:sldMk cId="871602309" sldId="260"/>
+        </pc:sldMkLst>
+        <pc:spChg chg="mod">
+          <ac:chgData name="Edward Michaud" userId="96c5368be571345e" providerId="LiveId" clId="{56CAAD4D-5E68-4F5D-828D-9029EEEBC5B7}" dt="2021-05-08T14:53:49.941" v="24" actId="14100"/>
+          <ac:spMkLst>
+            <pc:docMk/>
+            <pc:sldMk cId="871602309" sldId="260"/>
+            <ac:spMk id="3" creationId="{669BF0C7-3BA3-4910-9322-45362D2BB95F}"/>
+          </ac:spMkLst>
+        </pc:spChg>
+        <pc:picChg chg="add mod">
+          <ac:chgData name="Edward Michaud" userId="96c5368be571345e" providerId="LiveId" clId="{56CAAD4D-5E68-4F5D-828D-9029EEEBC5B7}" dt="2021-05-08T14:53:53.178" v="25" actId="1076"/>
+          <ac:picMkLst>
+            <pc:docMk/>
+            <pc:sldMk cId="871602309" sldId="260"/>
+            <ac:picMk id="5" creationId="{40B270FB-BF55-4451-8103-0B30DAC58805}"/>
+          </ac:picMkLst>
+        </pc:picChg>
+      </pc:sldChg>
+      <pc:sldChg chg="addSp modSp mod">
+        <pc:chgData name="Edward Michaud" userId="96c5368be571345e" providerId="LiveId" clId="{56CAAD4D-5E68-4F5D-828D-9029EEEBC5B7}" dt="2021-05-08T14:54:15.006" v="32" actId="14100"/>
+        <pc:sldMkLst>
+          <pc:docMk/>
+          <pc:sldMk cId="2520988099" sldId="261"/>
+        </pc:sldMkLst>
+        <pc:picChg chg="add mod">
+          <ac:chgData name="Edward Michaud" userId="96c5368be571345e" providerId="LiveId" clId="{56CAAD4D-5E68-4F5D-828D-9029EEEBC5B7}" dt="2021-05-08T14:54:15.006" v="32" actId="14100"/>
+          <ac:picMkLst>
+            <pc:docMk/>
+            <pc:sldMk cId="2520988099" sldId="261"/>
+            <ac:picMk id="6" creationId="{85CA37E9-4BE7-4BA2-AE7D-A8ACD624C0D6}"/>
+          </ac:picMkLst>
+        </pc:picChg>
+      </pc:sldChg>
+    </pc:docChg>
+  </pc:docChgLst>
+</pc:chgInfo>
 </file>
 
 <file path=ppt/slideLayouts/slideLayout1.xml><?xml version="1.0" encoding="utf-8"?>
@@ -4047,7 +4197,7 @@
         <p:spPr>
           <a:xfrm>
             <a:off x="826396" y="586855"/>
-            <a:ext cx="4230100" cy="3387497"/>
+            <a:ext cx="4230100" cy="645045"/>
           </a:xfrm>
         </p:spPr>
         <p:txBody>
@@ -4058,7 +4208,7 @@
           <a:p>
             <a:pPr algn="r"/>
             <a:r>
-              <a:rPr lang="en-US" sz="4000">
+              <a:rPr lang="en-US" sz="4000" dirty="0">
                 <a:solidFill>
                   <a:srgbClr val="FFFFFF"/>
                 </a:solidFill>
@@ -4086,8 +4236,8 @@
         </p:nvSpPr>
         <p:spPr>
           <a:xfrm>
-            <a:off x="6503158" y="649480"/>
-            <a:ext cx="4862447" cy="5546047"/>
+            <a:off x="6503158" y="649481"/>
+            <a:ext cx="4862447" cy="2642360"/>
           </a:xfrm>
         </p:spPr>
         <p:txBody>
@@ -4097,7 +4247,7 @@
           <a:lstStyle/>
           <a:p>
             <a:r>
-              <a:rPr lang="en-US" sz="2000">
+              <a:rPr lang="en-US" sz="2000" dirty="0">
                 <a:effectLst/>
                 <a:latin typeface="Calibri" panose="020F0502020204030204" pitchFamily="34" charset="0"/>
                 <a:ea typeface="Calibri" panose="020F0502020204030204" pitchFamily="34" charset="0"/>
@@ -4105,10 +4255,46 @@
               </a:rPr>
               <a:t>Our first step in this project was to clean up all the data. We had to make sure there were no empty slots or strange discrepancies. We then cleaned it up to make sure there are no repeated locations or if the location had no square feet. We made sure that the data was clean with a few tests, and all checked out. </a:t>
             </a:r>
-            <a:endParaRPr lang="en-US" sz="2000"/>
-          </a:p>
-        </p:txBody>
-      </p:sp>
+            <a:endParaRPr lang="en-US" sz="2000" dirty="0"/>
+          </a:p>
+        </p:txBody>
+      </p:sp>
+      <p:pic>
+        <p:nvPicPr>
+          <p:cNvPr id="5" name="Picture 4" descr="Table&#10;&#10;Description automatically generated">
+            <a:extLst>
+              <a:ext uri="{FF2B5EF4-FFF2-40B4-BE49-F238E27FC236}">
+                <a16:creationId xmlns:a16="http://schemas.microsoft.com/office/drawing/2014/main" id="{97B409F9-CE39-423F-ACC3-D04AB5773420}"/>
+              </a:ext>
+            </a:extLst>
+          </p:cNvPr>
+          <p:cNvPicPr>
+            <a:picLocks noChangeAspect="1"/>
+          </p:cNvPicPr>
+          <p:nvPr/>
+        </p:nvPicPr>
+        <p:blipFill>
+          <a:blip r:embed="rId2">
+            <a:extLst>
+              <a:ext uri="{28A0092B-C50C-407E-A947-70E740481C1C}">
+                <a14:useLocalDpi xmlns:a14="http://schemas.microsoft.com/office/drawing/2010/main" val="0"/>
+              </a:ext>
+            </a:extLst>
+          </a:blip>
+          <a:stretch>
+            <a:fillRect/>
+          </a:stretch>
+        </p:blipFill>
+        <p:spPr>
+          <a:xfrm>
+            <a:off x="1576267" y="4354791"/>
+            <a:ext cx="9535856" cy="1733792"/>
+          </a:xfrm>
+          <a:prstGeom prst="rect">
+            <a:avLst/>
+          </a:prstGeom>
+        </p:spPr>
+      </p:pic>
     </p:spTree>
     <p:extLst>
       <p:ext uri="{BB962C8B-B14F-4D97-AF65-F5344CB8AC3E}">
@@ -4335,7 +4521,7 @@
         </p:nvSpPr>
         <p:spPr>
           <a:xfrm>
-            <a:off x="1179226" y="3092970"/>
+            <a:off x="1179074" y="2596582"/>
             <a:ext cx="9833548" cy="2693976"/>
           </a:xfrm>
         </p:spPr>
@@ -4346,7 +4532,7 @@
           <a:lstStyle/>
           <a:p>
             <a:r>
-              <a:rPr lang="en-US" sz="2000">
+              <a:rPr lang="en-US" sz="2000" dirty="0">
                 <a:solidFill>
                   <a:srgbClr val="000000"/>
                 </a:solidFill>
@@ -4357,7 +4543,7 @@
               </a:rPr>
               <a:t>Next, after the cleanup, we made several graphs that would show us results for average payment over square foot, and how many rooms did houses have. First, we made a scatter chart that would show where most people are willing to spend their money for land. We were able to find that the average household price that was sold was about $207,000. The average square feet that were also founded were about 1500 feet. </a:t>
             </a:r>
-            <a:endParaRPr lang="en-US" sz="2000">
+            <a:endParaRPr lang="en-US" sz="2000" dirty="0">
               <a:solidFill>
                 <a:srgbClr val="000000"/>
               </a:solidFill>
@@ -4365,6 +4551,42 @@
           </a:p>
         </p:txBody>
       </p:sp>
+      <p:pic>
+        <p:nvPicPr>
+          <p:cNvPr id="5" name="Picture 4" descr="Chart, scatter chart&#10;&#10;Description automatically generated">
+            <a:extLst>
+              <a:ext uri="{FF2B5EF4-FFF2-40B4-BE49-F238E27FC236}">
+                <a16:creationId xmlns:a16="http://schemas.microsoft.com/office/drawing/2014/main" id="{4997468E-9A2B-48D9-8144-339B4BD850B2}"/>
+              </a:ext>
+            </a:extLst>
+          </p:cNvPr>
+          <p:cNvPicPr>
+            <a:picLocks noChangeAspect="1"/>
+          </p:cNvPicPr>
+          <p:nvPr/>
+        </p:nvPicPr>
+        <p:blipFill>
+          <a:blip r:embed="rId3">
+            <a:extLst>
+              <a:ext uri="{28A0092B-C50C-407E-A947-70E740481C1C}">
+                <a14:useLocalDpi xmlns:a14="http://schemas.microsoft.com/office/drawing/2010/main" val="0"/>
+              </a:ext>
+            </a:extLst>
+          </a:blip>
+          <a:stretch>
+            <a:fillRect/>
+          </a:stretch>
+        </p:blipFill>
+        <p:spPr>
+          <a:xfrm>
+            <a:off x="4104845" y="4104065"/>
+            <a:ext cx="3982006" cy="2762636"/>
+          </a:xfrm>
+          <a:prstGeom prst="rect">
+            <a:avLst/>
+          </a:prstGeom>
+        </p:spPr>
+      </p:pic>
     </p:spTree>
     <p:extLst>
       <p:ext uri="{BB962C8B-B14F-4D97-AF65-F5344CB8AC3E}">
@@ -4624,7 +4846,7 @@
         </p:nvSpPr>
         <p:spPr>
           <a:xfrm>
-            <a:off x="2618437" y="991262"/>
+            <a:off x="2618437" y="285868"/>
             <a:ext cx="6955124" cy="1066802"/>
           </a:xfrm>
         </p:spPr>
@@ -4636,7 +4858,7 @@
           <a:p>
             <a:pPr algn="ctr"/>
             <a:r>
-              <a:rPr lang="en-US" sz="4000">
+              <a:rPr lang="en-US" sz="4000" dirty="0">
                 <a:solidFill>
                   <a:srgbClr val="FFFFFF"/>
                 </a:solidFill>
@@ -4664,7 +4886,7 @@
         </p:nvSpPr>
         <p:spPr>
           <a:xfrm>
-            <a:off x="2618437" y="2371725"/>
+            <a:off x="2618437" y="1352670"/>
             <a:ext cx="6955124" cy="3038475"/>
           </a:xfrm>
         </p:spPr>
@@ -4675,7 +4897,7 @@
           <a:lstStyle/>
           <a:p>
             <a:r>
-              <a:rPr lang="en-US" sz="2400">
+              <a:rPr lang="en-US" sz="2400" dirty="0">
                 <a:solidFill>
                   <a:srgbClr val="FFFFFF"/>
                 </a:solidFill>
@@ -4686,7 +4908,7 @@
               </a:rPr>
               <a:t>We then made bar chart on how many houses were being purchased from and how many rooms do they have.  The conclusion from this chart was that the average room count was about 3 bedrooms per household. The average bathroom was about 2. </a:t>
             </a:r>
-            <a:endParaRPr lang="en-US" sz="2400">
+            <a:endParaRPr lang="en-US" sz="2400" dirty="0">
               <a:solidFill>
                 <a:srgbClr val="FFFFFF"/>
               </a:solidFill>
@@ -4694,6 +4916,42 @@
           </a:p>
         </p:txBody>
       </p:sp>
+      <p:pic>
+        <p:nvPicPr>
+          <p:cNvPr id="5" name="Picture 4" descr="Chart, bar chart&#10;&#10;Description automatically generated">
+            <a:extLst>
+              <a:ext uri="{FF2B5EF4-FFF2-40B4-BE49-F238E27FC236}">
+                <a16:creationId xmlns:a16="http://schemas.microsoft.com/office/drawing/2014/main" id="{04B9091D-91D0-46CA-80BC-788C6C21DFE8}"/>
+              </a:ext>
+            </a:extLst>
+          </p:cNvPr>
+          <p:cNvPicPr>
+            <a:picLocks noChangeAspect="1"/>
+          </p:cNvPicPr>
+          <p:nvPr/>
+        </p:nvPicPr>
+        <p:blipFill>
+          <a:blip r:embed="rId3">
+            <a:extLst>
+              <a:ext uri="{28A0092B-C50C-407E-A947-70E740481C1C}">
+                <a14:useLocalDpi xmlns:a14="http://schemas.microsoft.com/office/drawing/2010/main" val="0"/>
+              </a:ext>
+            </a:extLst>
+          </a:blip>
+          <a:stretch>
+            <a:fillRect/>
+          </a:stretch>
+        </p:blipFill>
+        <p:spPr>
+          <a:xfrm>
+            <a:off x="3326500" y="3429000"/>
+            <a:ext cx="5255798" cy="2898788"/>
+          </a:xfrm>
+          <a:prstGeom prst="rect">
+            <a:avLst/>
+          </a:prstGeom>
+        </p:spPr>
+      </p:pic>
     </p:spTree>
     <p:extLst>
       <p:ext uri="{BB962C8B-B14F-4D97-AF65-F5344CB8AC3E}">
@@ -5025,7 +5283,7 @@
           <a:lstStyle/>
           <a:p>
             <a:r>
-              <a:rPr lang="en-US">
+              <a:rPr lang="en-US" dirty="0">
                 <a:solidFill>
                   <a:srgbClr val="3F3F3F"/>
                 </a:solidFill>
@@ -5053,8 +5311,8 @@
         </p:nvSpPr>
         <p:spPr>
           <a:xfrm>
-            <a:off x="6305550" y="1032987"/>
-            <a:ext cx="5246370" cy="4792027"/>
+            <a:off x="8396994" y="1032987"/>
+            <a:ext cx="3154926" cy="4792027"/>
           </a:xfrm>
         </p:spPr>
         <p:txBody>
@@ -5064,7 +5322,7 @@
           <a:lstStyle/>
           <a:p>
             <a:r>
-              <a:rPr lang="en-US" sz="2400">
+              <a:rPr lang="en-US" sz="2400" dirty="0">
                 <a:solidFill>
                   <a:srgbClr val="FFFFFF"/>
                 </a:solidFill>
@@ -5075,7 +5333,7 @@
               </a:rPr>
               <a:t>A box graph was then made to find where the average zip code had the most average amount of people populated. The data found the zip code area 95362 filled these criteria. </a:t>
             </a:r>
-            <a:endParaRPr lang="en-US" sz="2400">
+            <a:endParaRPr lang="en-US" sz="2400" dirty="0">
               <a:solidFill>
                 <a:srgbClr val="FFFFFF"/>
               </a:solidFill>
@@ -5083,6 +5341,42 @@
           </a:p>
         </p:txBody>
       </p:sp>
+      <p:pic>
+        <p:nvPicPr>
+          <p:cNvPr id="5" name="Picture 4" descr="Table&#10;&#10;Description automatically generated">
+            <a:extLst>
+              <a:ext uri="{FF2B5EF4-FFF2-40B4-BE49-F238E27FC236}">
+                <a16:creationId xmlns:a16="http://schemas.microsoft.com/office/drawing/2014/main" id="{40B270FB-BF55-4451-8103-0B30DAC58805}"/>
+              </a:ext>
+            </a:extLst>
+          </p:cNvPr>
+          <p:cNvPicPr>
+            <a:picLocks noChangeAspect="1"/>
+          </p:cNvPicPr>
+          <p:nvPr/>
+        </p:nvPicPr>
+        <p:blipFill>
+          <a:blip r:embed="rId3">
+            <a:extLst>
+              <a:ext uri="{28A0092B-C50C-407E-A947-70E740481C1C}">
+                <a14:useLocalDpi xmlns:a14="http://schemas.microsoft.com/office/drawing/2010/main" val="0"/>
+              </a:ext>
+            </a:extLst>
+          </a:blip>
+          <a:stretch>
+            <a:fillRect/>
+          </a:stretch>
+        </p:blipFill>
+        <p:spPr>
+          <a:xfrm>
+            <a:off x="4679224" y="66205"/>
+            <a:ext cx="3343742" cy="6725589"/>
+          </a:xfrm>
+          <a:prstGeom prst="rect">
+            <a:avLst/>
+          </a:prstGeom>
+        </p:spPr>
+      </p:pic>
     </p:spTree>
     <p:extLst>
       <p:ext uri="{BB962C8B-B14F-4D97-AF65-F5344CB8AC3E}">
@@ -5610,6 +5904,42 @@
               </a:path>
             </a:pathLst>
           </a:custGeom>
+        </p:spPr>
+      </p:pic>
+      <p:pic>
+        <p:nvPicPr>
+          <p:cNvPr id="6" name="Picture 5" descr="Chart, box and whisker chart&#10;&#10;Description automatically generated">
+            <a:extLst>
+              <a:ext uri="{FF2B5EF4-FFF2-40B4-BE49-F238E27FC236}">
+                <a16:creationId xmlns:a16="http://schemas.microsoft.com/office/drawing/2014/main" id="{85CA37E9-4BE7-4BA2-AE7D-A8ACD624C0D6}"/>
+              </a:ext>
+            </a:extLst>
+          </p:cNvPr>
+          <p:cNvPicPr>
+            <a:picLocks noChangeAspect="1"/>
+          </p:cNvPicPr>
+          <p:nvPr/>
+        </p:nvPicPr>
+        <p:blipFill>
+          <a:blip r:embed="rId4">
+            <a:extLst>
+              <a:ext uri="{28A0092B-C50C-407E-A947-70E740481C1C}">
+                <a14:useLocalDpi xmlns:a14="http://schemas.microsoft.com/office/drawing/2010/main" val="0"/>
+              </a:ext>
+            </a:extLst>
+          </a:blip>
+          <a:stretch>
+            <a:fillRect/>
+          </a:stretch>
+        </p:blipFill>
+        <p:spPr>
+          <a:xfrm>
+            <a:off x="5811381" y="1724296"/>
+            <a:ext cx="6238343" cy="3357155"/>
+          </a:xfrm>
+          <a:prstGeom prst="rect">
+            <a:avLst/>
+          </a:prstGeom>
         </p:spPr>
       </p:pic>
     </p:spTree>
